--- a/modelStructure_experimentDesign.pptx
+++ b/modelStructure_experimentDesign.pptx
@@ -108,6 +108,11 @@
       </a:defRPr>
     </a:lvl9pPr>
   </p:defaultTextStyle>
+  <p:extLst>
+    <p:ext uri="{EFAFB233-063F-42B5-8137-9DF3F51BA10A}">
+      <p15:sldGuideLst xmlns:p15="http://schemas.microsoft.com/office/powerpoint/2012/main"/>
+    </p:ext>
+  </p:extLst>
 </p:presentation>
 </file>
 
@@ -5956,8 +5961,8 @@
           </a:fontRef>
         </p:style>
       </p:cxnSp>
-      <mc:AlternateContent xmlns:mc="http://schemas.openxmlformats.org/markup-compatibility/2006">
-        <mc:Choice xmlns:a14="http://schemas.microsoft.com/office/drawing/2010/main" Requires="a14">
+      <mc:AlternateContent xmlns:mc="http://schemas.openxmlformats.org/markup-compatibility/2006" xmlns:a14="http://schemas.microsoft.com/office/drawing/2010/main">
+        <mc:Choice Requires="a14">
           <p:sp>
             <p:nvSpPr>
               <p:cNvPr id="162" name="文本框 161">
@@ -5986,6 +5991,7 @@
               </a:bodyPr>
               <a:lstStyle/>
               <a:p>
+                <a:pPr/>
                 <a14:m>
                   <m:oMathPara xmlns:m="http://schemas.openxmlformats.org/officeDocument/2006/math">
                     <m:oMathParaPr>
@@ -6038,7 +6044,7 @@
             </p:txBody>
           </p:sp>
         </mc:Choice>
-        <mc:Fallback>
+        <mc:Fallback xmlns="">
           <p:sp>
             <p:nvSpPr>
               <p:cNvPr id="162" name="文本框 161">
@@ -6083,8 +6089,8 @@
           </p:sp>
         </mc:Fallback>
       </mc:AlternateContent>
-      <mc:AlternateContent xmlns:mc="http://schemas.openxmlformats.org/markup-compatibility/2006">
-        <mc:Choice xmlns:a14="http://schemas.microsoft.com/office/drawing/2010/main" Requires="a14">
+      <mc:AlternateContent xmlns:mc="http://schemas.openxmlformats.org/markup-compatibility/2006" xmlns:a14="http://schemas.microsoft.com/office/drawing/2010/main">
+        <mc:Choice Requires="a14">
           <p:sp>
             <p:nvSpPr>
               <p:cNvPr id="164" name="文本框 163">
@@ -6113,6 +6119,7 @@
               </a:bodyPr>
               <a:lstStyle/>
               <a:p>
+                <a:pPr/>
                 <a14:m>
                   <m:oMathPara xmlns:m="http://schemas.openxmlformats.org/officeDocument/2006/math">
                     <m:oMathParaPr>
@@ -6165,7 +6172,7 @@
             </p:txBody>
           </p:sp>
         </mc:Choice>
-        <mc:Fallback>
+        <mc:Fallback xmlns="">
           <p:sp>
             <p:nvSpPr>
               <p:cNvPr id="164" name="文本框 163">
@@ -6252,8 +6259,8 @@
           </a:fontRef>
         </p:style>
       </p:cxnSp>
-      <mc:AlternateContent xmlns:mc="http://schemas.openxmlformats.org/markup-compatibility/2006">
-        <mc:Choice xmlns:a14="http://schemas.microsoft.com/office/drawing/2010/main" Requires="a14">
+      <mc:AlternateContent xmlns:mc="http://schemas.openxmlformats.org/markup-compatibility/2006" xmlns:a14="http://schemas.microsoft.com/office/drawing/2010/main">
+        <mc:Choice Requires="a14">
           <p:sp>
             <p:nvSpPr>
               <p:cNvPr id="171" name="文本框 170">
@@ -6282,6 +6289,7 @@
               </a:bodyPr>
               <a:lstStyle/>
               <a:p>
+                <a:pPr/>
                 <a14:m>
                   <m:oMathPara xmlns:m="http://schemas.openxmlformats.org/officeDocument/2006/math">
                     <m:oMathParaPr>
@@ -6309,7 +6317,7 @@
             </p:txBody>
           </p:sp>
         </mc:Choice>
-        <mc:Fallback>
+        <mc:Fallback xmlns="">
           <p:sp>
             <p:nvSpPr>
               <p:cNvPr id="171" name="文本框 170">
@@ -7751,7 +7759,7 @@
         </p:nvSpPr>
         <p:spPr>
           <a:xfrm>
-            <a:off x="2864336" y="1670822"/>
+            <a:off x="2864336" y="1700639"/>
             <a:ext cx="1726974" cy="553998"/>
           </a:xfrm>
           <a:prstGeom prst="rect">
@@ -7800,7 +7808,7 @@
         </p:nvSpPr>
         <p:spPr>
           <a:xfrm>
-            <a:off x="2864336" y="637488"/>
+            <a:off x="2864336" y="667305"/>
             <a:ext cx="1726974" cy="2066669"/>
           </a:xfrm>
           <a:prstGeom prst="roundRect">
@@ -7850,7 +7858,7 @@
         </p:nvSpPr>
         <p:spPr>
           <a:xfrm>
-            <a:off x="2864336" y="659530"/>
+            <a:off x="2864336" y="689347"/>
             <a:ext cx="1726974" cy="553998"/>
           </a:xfrm>
           <a:prstGeom prst="rect">
@@ -7901,7 +7909,7 @@
         </p:nvCxnSpPr>
         <p:spPr>
           <a:xfrm flipH="1">
-            <a:off x="2864336" y="1213528"/>
+            <a:off x="2864336" y="1243345"/>
             <a:ext cx="1726974" cy="0"/>
           </a:xfrm>
           <a:prstGeom prst="line">
@@ -7942,7 +7950,7 @@
         </p:nvCxnSpPr>
         <p:spPr>
           <a:xfrm>
-            <a:off x="4591310" y="1670823"/>
+            <a:off x="4591310" y="1700640"/>
             <a:ext cx="602020" cy="0"/>
           </a:xfrm>
           <a:prstGeom prst="straightConnector1">
@@ -7981,7 +7989,7 @@
         </p:nvSpPr>
         <p:spPr>
           <a:xfrm>
-            <a:off x="459159" y="3097821"/>
+            <a:off x="459159" y="3127638"/>
             <a:ext cx="1726974" cy="553998"/>
           </a:xfrm>
           <a:prstGeom prst="rect">
@@ -8030,7 +8038,7 @@
         </p:nvSpPr>
         <p:spPr>
           <a:xfrm>
-            <a:off x="459159" y="2858153"/>
+            <a:off x="459159" y="2887970"/>
             <a:ext cx="1726974" cy="1033334"/>
           </a:xfrm>
           <a:prstGeom prst="roundRect">
@@ -8080,7 +8088,7 @@
         </p:nvSpPr>
         <p:spPr>
           <a:xfrm>
-            <a:off x="5228102" y="1946295"/>
+            <a:off x="5228102" y="1976112"/>
             <a:ext cx="1726974" cy="553998"/>
           </a:xfrm>
           <a:prstGeom prst="rect">
@@ -8129,7 +8137,7 @@
         </p:nvSpPr>
         <p:spPr>
           <a:xfrm>
-            <a:off x="5228102" y="637487"/>
+            <a:off x="5228102" y="667304"/>
             <a:ext cx="1726974" cy="2066669"/>
           </a:xfrm>
           <a:prstGeom prst="roundRect">
@@ -8179,7 +8187,7 @@
         </p:nvSpPr>
         <p:spPr>
           <a:xfrm>
-            <a:off x="5228102" y="894492"/>
+            <a:off x="5228102" y="924309"/>
             <a:ext cx="1726974" cy="553998"/>
           </a:xfrm>
           <a:prstGeom prst="rect">
@@ -8232,7 +8240,7 @@
         </p:nvCxnSpPr>
         <p:spPr>
           <a:xfrm flipH="1">
-            <a:off x="5228102" y="1670822"/>
+            <a:off x="5228102" y="1700639"/>
             <a:ext cx="1726974" cy="0"/>
           </a:xfrm>
           <a:prstGeom prst="line">
@@ -8273,7 +8281,7 @@
         </p:nvCxnSpPr>
         <p:spPr>
           <a:xfrm>
-            <a:off x="6955076" y="1670823"/>
+            <a:off x="6955076" y="1700640"/>
             <a:ext cx="602020" cy="0"/>
           </a:xfrm>
           <a:prstGeom prst="straightConnector1">
@@ -8312,7 +8320,7 @@
         </p:nvSpPr>
         <p:spPr>
           <a:xfrm>
-            <a:off x="7574482" y="2122356"/>
+            <a:off x="7574482" y="2152173"/>
             <a:ext cx="1726974" cy="553998"/>
           </a:xfrm>
           <a:prstGeom prst="rect">
@@ -8361,7 +8369,7 @@
         </p:nvSpPr>
         <p:spPr>
           <a:xfrm>
-            <a:off x="7591868" y="1073664"/>
+            <a:off x="7591868" y="1103481"/>
             <a:ext cx="1726974" cy="553998"/>
           </a:xfrm>
           <a:prstGeom prst="rect">
@@ -8410,7 +8418,7 @@
         </p:nvSpPr>
         <p:spPr>
           <a:xfrm rot="10800000">
-            <a:off x="7557096" y="637487"/>
+            <a:off x="7557096" y="667304"/>
             <a:ext cx="1726974" cy="2066669"/>
           </a:xfrm>
           <a:prstGeom prst="roundRect">
@@ -8462,7 +8470,7 @@
         </p:nvCxnSpPr>
         <p:spPr>
           <a:xfrm rot="10800000" flipH="1">
-            <a:off x="7557096" y="2128116"/>
+            <a:off x="7557096" y="2157933"/>
             <a:ext cx="1726974" cy="0"/>
           </a:xfrm>
           <a:prstGeom prst="line">
@@ -8501,7 +8509,7 @@
         </p:nvSpPr>
         <p:spPr>
           <a:xfrm>
-            <a:off x="10048032" y="3097821"/>
+            <a:off x="10048032" y="3127638"/>
             <a:ext cx="1726974" cy="553998"/>
           </a:xfrm>
           <a:prstGeom prst="rect">
@@ -8550,7 +8558,7 @@
         </p:nvSpPr>
         <p:spPr>
           <a:xfrm>
-            <a:off x="10048032" y="2858153"/>
+            <a:off x="10048032" y="2887970"/>
             <a:ext cx="1726974" cy="1033334"/>
           </a:xfrm>
           <a:prstGeom prst="roundRect">
@@ -8604,7 +8612,7 @@
         </p:nvCxnSpPr>
         <p:spPr>
           <a:xfrm>
-            <a:off x="9284070" y="1670821"/>
+            <a:off x="9284070" y="1700638"/>
             <a:ext cx="763962" cy="1703999"/>
           </a:xfrm>
           <a:prstGeom prst="straightConnector1">
@@ -8647,7 +8655,7 @@
         </p:nvCxnSpPr>
         <p:spPr>
           <a:xfrm flipV="1">
-            <a:off x="2186133" y="1670823"/>
+            <a:off x="2186133" y="1700640"/>
             <a:ext cx="678203" cy="1703997"/>
           </a:xfrm>
           <a:prstGeom prst="straightConnector1">
@@ -8686,7 +8694,7 @@
         </p:nvSpPr>
         <p:spPr>
           <a:xfrm>
-            <a:off x="2931028" y="5090753"/>
+            <a:off x="2931028" y="5120570"/>
             <a:ext cx="1726974" cy="553998"/>
           </a:xfrm>
           <a:prstGeom prst="rect">
@@ -8735,7 +8743,7 @@
         </p:nvSpPr>
         <p:spPr>
           <a:xfrm>
-            <a:off x="2931028" y="4057419"/>
+            <a:off x="2931028" y="4087236"/>
             <a:ext cx="1726974" cy="2066669"/>
           </a:xfrm>
           <a:prstGeom prst="roundRect">
@@ -8785,7 +8793,7 @@
         </p:nvSpPr>
         <p:spPr>
           <a:xfrm>
-            <a:off x="2931028" y="4079461"/>
+            <a:off x="2931028" y="4109278"/>
             <a:ext cx="1726974" cy="553998"/>
           </a:xfrm>
           <a:prstGeom prst="rect">
@@ -8836,7 +8844,7 @@
         </p:nvCxnSpPr>
         <p:spPr>
           <a:xfrm flipH="1">
-            <a:off x="2931028" y="4633459"/>
+            <a:off x="2931028" y="4663276"/>
             <a:ext cx="1726974" cy="0"/>
           </a:xfrm>
           <a:prstGeom prst="line">
@@ -8877,7 +8885,7 @@
         </p:nvCxnSpPr>
         <p:spPr>
           <a:xfrm>
-            <a:off x="4658002" y="5090754"/>
+            <a:off x="4658002" y="5120571"/>
             <a:ext cx="602020" cy="0"/>
           </a:xfrm>
           <a:prstGeom prst="straightConnector1">
@@ -8916,7 +8924,7 @@
         </p:nvSpPr>
         <p:spPr>
           <a:xfrm>
-            <a:off x="5294794" y="5366226"/>
+            <a:off x="5294794" y="5396043"/>
             <a:ext cx="1726974" cy="553998"/>
           </a:xfrm>
           <a:prstGeom prst="rect">
@@ -8965,7 +8973,7 @@
         </p:nvSpPr>
         <p:spPr>
           <a:xfrm>
-            <a:off x="5294794" y="4057418"/>
+            <a:off x="5294794" y="4087235"/>
             <a:ext cx="1726974" cy="2066669"/>
           </a:xfrm>
           <a:prstGeom prst="roundRect">
@@ -9015,7 +9023,7 @@
         </p:nvSpPr>
         <p:spPr>
           <a:xfrm>
-            <a:off x="5294794" y="4314423"/>
+            <a:off x="5294794" y="4344240"/>
             <a:ext cx="1726974" cy="553998"/>
           </a:xfrm>
           <a:prstGeom prst="rect">
@@ -9068,7 +9076,7 @@
         </p:nvCxnSpPr>
         <p:spPr>
           <a:xfrm flipH="1">
-            <a:off x="5294794" y="5090753"/>
+            <a:off x="5294794" y="5120570"/>
             <a:ext cx="1726974" cy="0"/>
           </a:xfrm>
           <a:prstGeom prst="line">
@@ -9109,7 +9117,7 @@
         </p:nvCxnSpPr>
         <p:spPr>
           <a:xfrm>
-            <a:off x="7021768" y="5090754"/>
+            <a:off x="7021768" y="5120571"/>
             <a:ext cx="602020" cy="0"/>
           </a:xfrm>
           <a:prstGeom prst="straightConnector1">
@@ -9148,7 +9156,7 @@
         </p:nvSpPr>
         <p:spPr>
           <a:xfrm>
-            <a:off x="7641174" y="5542287"/>
+            <a:off x="7641174" y="5572104"/>
             <a:ext cx="1726974" cy="553998"/>
           </a:xfrm>
           <a:prstGeom prst="rect">
@@ -9197,7 +9205,7 @@
         </p:nvSpPr>
         <p:spPr>
           <a:xfrm>
-            <a:off x="7658560" y="4493595"/>
+            <a:off x="7658560" y="4523412"/>
             <a:ext cx="1726974" cy="553998"/>
           </a:xfrm>
           <a:prstGeom prst="rect">
@@ -9246,7 +9254,7 @@
         </p:nvSpPr>
         <p:spPr>
           <a:xfrm rot="10800000">
-            <a:off x="7623788" y="4057418"/>
+            <a:off x="7623788" y="4087235"/>
             <a:ext cx="1726974" cy="2066669"/>
           </a:xfrm>
           <a:prstGeom prst="roundRect">
@@ -9298,7 +9306,7 @@
         </p:nvCxnSpPr>
         <p:spPr>
           <a:xfrm rot="10800000" flipH="1">
-            <a:off x="7623788" y="5548047"/>
+            <a:off x="7623788" y="5577864"/>
             <a:ext cx="1726974" cy="0"/>
           </a:xfrm>
           <a:prstGeom prst="line">
@@ -9341,7 +9349,7 @@
         </p:nvCxnSpPr>
         <p:spPr>
           <a:xfrm flipV="1">
-            <a:off x="9350762" y="3374820"/>
+            <a:off x="9350762" y="3404637"/>
             <a:ext cx="697270" cy="1715932"/>
           </a:xfrm>
           <a:prstGeom prst="straightConnector1">
@@ -9384,7 +9392,7 @@
         </p:nvCxnSpPr>
         <p:spPr>
           <a:xfrm>
-            <a:off x="2186133" y="3374820"/>
+            <a:off x="2186133" y="3404637"/>
             <a:ext cx="744895" cy="1715934"/>
           </a:xfrm>
           <a:prstGeom prst="straightConnector1">
@@ -9423,7 +9431,7 @@
         </p:nvSpPr>
         <p:spPr>
           <a:xfrm>
-            <a:off x="2896256" y="3216381"/>
+            <a:off x="2896256" y="3246198"/>
             <a:ext cx="1726974" cy="323165"/>
           </a:xfrm>
           <a:prstGeom prst="rect">
@@ -9476,7 +9484,7 @@
         </p:nvSpPr>
         <p:spPr>
           <a:xfrm>
-            <a:off x="5241719" y="3216381"/>
+            <a:off x="5241719" y="3246198"/>
             <a:ext cx="1726974" cy="323165"/>
           </a:xfrm>
           <a:prstGeom prst="rect">
@@ -9529,7 +9537,7 @@
         </p:nvSpPr>
         <p:spPr>
           <a:xfrm>
-            <a:off x="7576163" y="3227139"/>
+            <a:off x="7576163" y="3256956"/>
             <a:ext cx="1726974" cy="323165"/>
           </a:xfrm>
           <a:prstGeom prst="rect">
@@ -9582,7 +9590,7 @@
         </p:nvSpPr>
         <p:spPr>
           <a:xfrm>
-            <a:off x="2581291" y="372457"/>
+            <a:off x="2581291" y="402274"/>
             <a:ext cx="7029417" cy="2577890"/>
           </a:xfrm>
           <a:prstGeom prst="roundRect">
@@ -9643,7 +9651,7 @@
         </p:nvSpPr>
         <p:spPr>
           <a:xfrm>
-            <a:off x="2829564" y="357056"/>
+            <a:off x="2829564" y="386873"/>
             <a:ext cx="2218669" cy="323165"/>
           </a:xfrm>
           <a:prstGeom prst="rect">
@@ -9698,7 +9706,7 @@
         </p:nvSpPr>
         <p:spPr>
           <a:xfrm>
-            <a:off x="2581291" y="3826355"/>
+            <a:off x="2581291" y="3856172"/>
             <a:ext cx="7029417" cy="2577890"/>
           </a:xfrm>
           <a:prstGeom prst="roundRect">
@@ -9759,7 +9767,7 @@
         </p:nvSpPr>
         <p:spPr>
           <a:xfrm>
-            <a:off x="2883403" y="6101483"/>
+            <a:off x="2883403" y="6131300"/>
             <a:ext cx="2218669" cy="323165"/>
           </a:xfrm>
           <a:prstGeom prst="rect">
@@ -9814,7 +9822,7 @@
         </p:nvSpPr>
         <p:spPr>
           <a:xfrm>
-            <a:off x="2343150" y="21928"/>
+            <a:off x="2343150" y="51745"/>
             <a:ext cx="7534276" cy="6756220"/>
           </a:xfrm>
           <a:prstGeom prst="roundRect">
@@ -9866,7 +9874,7 @@
         </p:nvSpPr>
         <p:spPr>
           <a:xfrm>
-            <a:off x="4573229" y="13488"/>
+            <a:off x="4573229" y="43305"/>
             <a:ext cx="3036719" cy="323165"/>
           </a:xfrm>
           <a:prstGeom prst="rect">
@@ -9919,7 +9927,7 @@
         </p:nvSpPr>
         <p:spPr>
           <a:xfrm>
-            <a:off x="9886089" y="2390775"/>
+            <a:off x="9886089" y="2420592"/>
             <a:ext cx="2139215" cy="1715932"/>
           </a:xfrm>
           <a:prstGeom prst="roundRect">
@@ -9971,7 +9979,7 @@
         </p:nvSpPr>
         <p:spPr>
           <a:xfrm>
-            <a:off x="9902415" y="2493240"/>
+            <a:off x="9902415" y="2523057"/>
             <a:ext cx="2131552" cy="323165"/>
           </a:xfrm>
           <a:prstGeom prst="rect">
